--- a/main_figures/Figures_Challenge2.pptx
+++ b/main_figures/Figures_Challenge2.pptx
@@ -1133,7 +1133,7 @@
             <a:fld id="{530820CF-B880-4189-942D-D702A7CBA730}" type="datetimeFigureOut">
               <a:rPr lang="zh-CN" altLang="en-US" smtClean="0"/>
               <a:pPr/>
-              <a:t>2023/12/8</a:t>
+              <a:t>2023/12/29</a:t>
             </a:fld>
             <a:endParaRPr lang="zh-CN" altLang="en-US"/>
           </a:p>
@@ -1298,7 +1298,7 @@
             <a:fld id="{530820CF-B880-4189-942D-D702A7CBA730}" type="datetimeFigureOut">
               <a:rPr lang="zh-CN" altLang="en-US" smtClean="0"/>
               <a:pPr/>
-              <a:t>2023/12/8</a:t>
+              <a:t>2023/12/29</a:t>
             </a:fld>
             <a:endParaRPr lang="zh-CN" altLang="en-US"/>
           </a:p>
@@ -1473,7 +1473,7 @@
             <a:fld id="{530820CF-B880-4189-942D-D702A7CBA730}" type="datetimeFigureOut">
               <a:rPr lang="zh-CN" altLang="en-US" smtClean="0"/>
               <a:pPr/>
-              <a:t>2023/12/8</a:t>
+              <a:t>2023/12/29</a:t>
             </a:fld>
             <a:endParaRPr lang="zh-CN" altLang="en-US"/>
           </a:p>
@@ -1638,7 +1638,7 @@
             <a:fld id="{530820CF-B880-4189-942D-D702A7CBA730}" type="datetimeFigureOut">
               <a:rPr lang="zh-CN" altLang="en-US" smtClean="0"/>
               <a:pPr/>
-              <a:t>2023/12/8</a:t>
+              <a:t>2023/12/29</a:t>
             </a:fld>
             <a:endParaRPr lang="zh-CN" altLang="en-US"/>
           </a:p>
@@ -1880,7 +1880,7 @@
             <a:fld id="{530820CF-B880-4189-942D-D702A7CBA730}" type="datetimeFigureOut">
               <a:rPr lang="zh-CN" altLang="en-US" smtClean="0"/>
               <a:pPr/>
-              <a:t>2023/12/8</a:t>
+              <a:t>2023/12/29</a:t>
             </a:fld>
             <a:endParaRPr lang="zh-CN" altLang="en-US"/>
           </a:p>
@@ -2162,7 +2162,7 @@
             <a:fld id="{530820CF-B880-4189-942D-D702A7CBA730}" type="datetimeFigureOut">
               <a:rPr lang="zh-CN" altLang="en-US" smtClean="0"/>
               <a:pPr/>
-              <a:t>2023/12/8</a:t>
+              <a:t>2023/12/29</a:t>
             </a:fld>
             <a:endParaRPr lang="zh-CN" altLang="en-US"/>
           </a:p>
@@ -2578,7 +2578,7 @@
             <a:fld id="{530820CF-B880-4189-942D-D702A7CBA730}" type="datetimeFigureOut">
               <a:rPr lang="zh-CN" altLang="en-US" smtClean="0"/>
               <a:pPr/>
-              <a:t>2023/12/8</a:t>
+              <a:t>2023/12/29</a:t>
             </a:fld>
             <a:endParaRPr lang="zh-CN" altLang="en-US"/>
           </a:p>
@@ -2692,7 +2692,7 @@
             <a:fld id="{530820CF-B880-4189-942D-D702A7CBA730}" type="datetimeFigureOut">
               <a:rPr lang="zh-CN" altLang="en-US" smtClean="0"/>
               <a:pPr/>
-              <a:t>2023/12/8</a:t>
+              <a:t>2023/12/29</a:t>
             </a:fld>
             <a:endParaRPr lang="zh-CN" altLang="en-US"/>
           </a:p>
@@ -2784,7 +2784,7 @@
             <a:fld id="{530820CF-B880-4189-942D-D702A7CBA730}" type="datetimeFigureOut">
               <a:rPr lang="zh-CN" altLang="en-US" smtClean="0"/>
               <a:pPr/>
-              <a:t>2023/12/8</a:t>
+              <a:t>2023/12/29</a:t>
             </a:fld>
             <a:endParaRPr lang="zh-CN" altLang="en-US"/>
           </a:p>
@@ -3056,7 +3056,7 @@
             <a:fld id="{530820CF-B880-4189-942D-D702A7CBA730}" type="datetimeFigureOut">
               <a:rPr lang="zh-CN" altLang="en-US" smtClean="0"/>
               <a:pPr/>
-              <a:t>2023/12/8</a:t>
+              <a:t>2023/12/29</a:t>
             </a:fld>
             <a:endParaRPr lang="zh-CN" altLang="en-US"/>
           </a:p>
@@ -3305,7 +3305,7 @@
             <a:fld id="{530820CF-B880-4189-942D-D702A7CBA730}" type="datetimeFigureOut">
               <a:rPr lang="zh-CN" altLang="en-US" smtClean="0"/>
               <a:pPr/>
-              <a:t>2023/12/8</a:t>
+              <a:t>2023/12/29</a:t>
             </a:fld>
             <a:endParaRPr lang="zh-CN" altLang="en-US"/>
           </a:p>
@@ -3513,7 +3513,7 @@
             <a:fld id="{530820CF-B880-4189-942D-D702A7CBA730}" type="datetimeFigureOut">
               <a:rPr lang="zh-CN" altLang="en-US" smtClean="0"/>
               <a:pPr/>
-              <a:t>2023/12/8</a:t>
+              <a:t>2023/12/29</a:t>
             </a:fld>
             <a:endParaRPr lang="zh-CN" altLang="en-US"/>
           </a:p>
@@ -25437,20 +25437,10 @@
             </a:pPr>
             <a:r>
               <a:rPr lang="en-US" altLang="zh-CN" sz="1000" b="1" dirty="0">
-                <a:solidFill>
-                  <a:srgbClr val="C00000"/>
-                </a:solidFill>
                 <a:latin typeface="Arial" pitchFamily="34" charset="0"/>
                 <a:cs typeface="Arial" pitchFamily="34" charset="0"/>
               </a:rPr>
-              <a:t>Fig. 3. </a:t>
-            </a:r>
-            <a:r>
-              <a:rPr lang="en-US" altLang="zh-CN" sz="1000" b="1" dirty="0">
-                <a:latin typeface="Arial" pitchFamily="34" charset="0"/>
-                <a:cs typeface="Arial" pitchFamily="34" charset="0"/>
-              </a:rPr>
-              <a:t>Overview of performance evaluation for Challenge 2: transcript </a:t>
+              <a:t>Fig. 3. Overview of performance evaluation for Challenge 2: transcript </a:t>
             </a:r>
             <a:r>
               <a:rPr lang="en-US" altLang="zh-CN" sz="1000" b="1" dirty="0" err="1">
